--- a/PresentazioneJulianCummaudo.pptx
+++ b/PresentazioneJulianCummaudo.pptx
@@ -123,6 +123,11 @@
       </a:defRPr>
     </a:lvl9pPr>
   </p:defaultTextStyle>
+  <p:extLst>
+    <p:ext uri="{EFAFB233-063F-42B5-8137-9DF3F51BA10A}">
+      <p15:sldGuideLst xmlns:p15="http://schemas.microsoft.com/office/powerpoint/2012/main"/>
+    </p:ext>
+  </p:extLst>
 </p:presentation>
 </file>
 
@@ -520,6 +525,187 @@
           <a:bodyPr/>
           <a:lstStyle/>
           <a:p>
+            <a:r>
+              <a:rPr lang="it-CH" dirty="0"/>
+              <a:t>Source: https://www.smythstoys.com/uk/en-gb/toys/steam-science-tech-engineering-arts-math/steam-arts/the-original-spirograph-design-set-boxed/p/149468</a:t>
+            </a:r>
+          </a:p>
+        </p:txBody>
+      </p:sp>
+      <p:sp>
+        <p:nvSpPr>
+          <p:cNvPr id="4" name="Segnaposto numero diapositiva 3"/>
+          <p:cNvSpPr>
+            <a:spLocks noGrp="1"/>
+          </p:cNvSpPr>
+          <p:nvPr>
+            <p:ph type="sldNum" sz="quarter" idx="5"/>
+          </p:nvPr>
+        </p:nvSpPr>
+        <p:spPr/>
+        <p:txBody>
+          <a:bodyPr/>
+          <a:lstStyle/>
+          <a:p>
+            <a:fld id="{D7F4CB3E-ABD0-4858-A910-6664F6FE0AB5}" type="slidenum">
+              <a:rPr lang="it-CH" smtClean="0"/>
+              <a:t>4</a:t>
+            </a:fld>
+            <a:endParaRPr lang="it-CH"/>
+          </a:p>
+        </p:txBody>
+      </p:sp>
+    </p:spTree>
+    <p:extLst>
+      <p:ext uri="{BB962C8B-B14F-4D97-AF65-F5344CB8AC3E}">
+        <p14:creationId xmlns:p14="http://schemas.microsoft.com/office/powerpoint/2010/main" val="2581541445"/>
+      </p:ext>
+    </p:extLst>
+  </p:cSld>
+  <p:clrMapOvr>
+    <a:masterClrMapping/>
+  </p:clrMapOvr>
+</p:notes>
+</file>
+
+<file path=ppt/notesSlides/notesSlide2.xml><?xml version="1.0" encoding="utf-8"?>
+<p:notes xmlns:a="http://schemas.openxmlformats.org/drawingml/2006/main" xmlns:r="http://schemas.openxmlformats.org/officeDocument/2006/relationships" xmlns:p="http://schemas.openxmlformats.org/presentationml/2006/main">
+  <p:cSld>
+    <p:spTree>
+      <p:nvGrpSpPr>
+        <p:cNvPr id="1" name=""/>
+        <p:cNvGrpSpPr/>
+        <p:nvPr/>
+      </p:nvGrpSpPr>
+      <p:grpSpPr>
+        <a:xfrm>
+          <a:off x="0" y="0"/>
+          <a:ext cx="0" cy="0"/>
+          <a:chOff x="0" y="0"/>
+          <a:chExt cx="0" cy="0"/>
+        </a:xfrm>
+      </p:grpSpPr>
+      <p:sp>
+        <p:nvSpPr>
+          <p:cNvPr id="2" name="Segnaposto immagine diapositiva 1"/>
+          <p:cNvSpPr>
+            <a:spLocks noGrp="1" noRot="1" noChangeAspect="1"/>
+          </p:cNvSpPr>
+          <p:nvPr>
+            <p:ph type="sldImg"/>
+          </p:nvPr>
+        </p:nvSpPr>
+        <p:spPr/>
+      </p:sp>
+      <p:sp>
+        <p:nvSpPr>
+          <p:cNvPr id="3" name="Segnaposto note 2"/>
+          <p:cNvSpPr>
+            <a:spLocks noGrp="1"/>
+          </p:cNvSpPr>
+          <p:nvPr>
+            <p:ph type="body" idx="1"/>
+          </p:nvPr>
+        </p:nvSpPr>
+        <p:spPr/>
+        <p:txBody>
+          <a:bodyPr/>
+          <a:lstStyle/>
+          <a:p>
+            <a:r>
+              <a:rPr lang="it-CH" dirty="0"/>
+              <a:t>Source: Wikipedia</a:t>
+            </a:r>
+            <a:br>
+              <a:rPr lang="it-CH" dirty="0"/>
+            </a:br>
+            <a:r>
+              <a:rPr lang="it-CH" dirty="0"/>
+              <a:t>https://en.wikipedia.org/wiki/Spirograph</a:t>
+            </a:r>
+          </a:p>
+        </p:txBody>
+      </p:sp>
+      <p:sp>
+        <p:nvSpPr>
+          <p:cNvPr id="4" name="Segnaposto numero diapositiva 3"/>
+          <p:cNvSpPr>
+            <a:spLocks noGrp="1"/>
+          </p:cNvSpPr>
+          <p:nvPr>
+            <p:ph type="sldNum" sz="quarter" idx="5"/>
+          </p:nvPr>
+        </p:nvSpPr>
+        <p:spPr/>
+        <p:txBody>
+          <a:bodyPr/>
+          <a:lstStyle/>
+          <a:p>
+            <a:fld id="{D7F4CB3E-ABD0-4858-A910-6664F6FE0AB5}" type="slidenum">
+              <a:rPr lang="it-CH" smtClean="0"/>
+              <a:t>5</a:t>
+            </a:fld>
+            <a:endParaRPr lang="it-CH"/>
+          </a:p>
+        </p:txBody>
+      </p:sp>
+    </p:spTree>
+    <p:extLst>
+      <p:ext uri="{BB962C8B-B14F-4D97-AF65-F5344CB8AC3E}">
+        <p14:creationId xmlns:p14="http://schemas.microsoft.com/office/powerpoint/2010/main" val="3310290707"/>
+      </p:ext>
+    </p:extLst>
+  </p:cSld>
+  <p:clrMapOvr>
+    <a:masterClrMapping/>
+  </p:clrMapOvr>
+</p:notes>
+</file>
+
+<file path=ppt/notesSlides/notesSlide3.xml><?xml version="1.0" encoding="utf-8"?>
+<p:notes xmlns:a="http://schemas.openxmlformats.org/drawingml/2006/main" xmlns:r="http://schemas.openxmlformats.org/officeDocument/2006/relationships" xmlns:p="http://schemas.openxmlformats.org/presentationml/2006/main">
+  <p:cSld>
+    <p:spTree>
+      <p:nvGrpSpPr>
+        <p:cNvPr id="1" name=""/>
+        <p:cNvGrpSpPr/>
+        <p:nvPr/>
+      </p:nvGrpSpPr>
+      <p:grpSpPr>
+        <a:xfrm>
+          <a:off x="0" y="0"/>
+          <a:ext cx="0" cy="0"/>
+          <a:chOff x="0" y="0"/>
+          <a:chExt cx="0" cy="0"/>
+        </a:xfrm>
+      </p:grpSpPr>
+      <p:sp>
+        <p:nvSpPr>
+          <p:cNvPr id="2" name="Segnaposto immagine diapositiva 1"/>
+          <p:cNvSpPr>
+            <a:spLocks noGrp="1" noRot="1" noChangeAspect="1"/>
+          </p:cNvSpPr>
+          <p:nvPr>
+            <p:ph type="sldImg"/>
+          </p:nvPr>
+        </p:nvSpPr>
+        <p:spPr/>
+      </p:sp>
+      <p:sp>
+        <p:nvSpPr>
+          <p:cNvPr id="3" name="Segnaposto note 2"/>
+          <p:cNvSpPr>
+            <a:spLocks noGrp="1"/>
+          </p:cNvSpPr>
+          <p:nvPr>
+            <p:ph type="body" idx="1"/>
+          </p:nvPr>
+        </p:nvSpPr>
+        <p:spPr/>
+        <p:txBody>
+          <a:bodyPr/>
+          <a:lstStyle/>
+          <a:p>
             <a:endParaRPr lang="it-CH" dirty="0"/>
           </a:p>
         </p:txBody>
@@ -560,7 +746,7 @@
 </p:notes>
 </file>
 
-<file path=ppt/notesSlides/notesSlide2.xml><?xml version="1.0" encoding="utf-8"?>
+<file path=ppt/notesSlides/notesSlide4.xml><?xml version="1.0" encoding="utf-8"?>
 <p:notes xmlns:a="http://schemas.openxmlformats.org/drawingml/2006/main" xmlns:r="http://schemas.openxmlformats.org/officeDocument/2006/relationships" xmlns:p="http://schemas.openxmlformats.org/presentationml/2006/main">
   <p:cSld>
     <p:spTree>
@@ -4862,8 +5048,8 @@
           </a:p>
         </p:txBody>
       </p:sp>
-      <mc:AlternateContent xmlns:mc="http://schemas.openxmlformats.org/markup-compatibility/2006">
-        <mc:Choice xmlns:a14="http://schemas.microsoft.com/office/drawing/2010/main" Requires="a14">
+      <mc:AlternateContent xmlns:mc="http://schemas.openxmlformats.org/markup-compatibility/2006" xmlns:a14="http://schemas.microsoft.com/office/drawing/2010/main">
+        <mc:Choice Requires="a14">
           <p:sp>
             <p:nvSpPr>
               <p:cNvPr id="3" name="Segnaposto contenuto 2">
@@ -5272,13 +5458,7 @@
                       <a:rPr lang="it-CH" sz="3600" i="1">
                         <a:latin typeface="Cambria Math" panose="02040503050406030204" pitchFamily="18" charset="0"/>
                       </a:rPr>
-                      <m:t>𝑜𝑓</m:t>
-                    </m:r>
-                    <m:r>
-                      <a:rPr lang="it-CH" sz="3600" b="0" i="1" smtClean="0">
-                        <a:latin typeface="Cambria Math" panose="02040503050406030204" pitchFamily="18" charset="0"/>
-                      </a:rPr>
-                      <m:t>𝑓</m:t>
+                      <m:t>𝑜𝑓𝑓</m:t>
                     </m:r>
                     <m:r>
                       <a:rPr lang="it-CH" sz="3600">
@@ -5374,7 +5554,7 @@
             </p:txBody>
           </p:sp>
         </mc:Choice>
-        <mc:Fallback>
+        <mc:Fallback xmlns="">
           <p:sp>
             <p:nvSpPr>
               <p:cNvPr id="3" name="Segnaposto contenuto 2">
@@ -7918,7 +8098,7 @@
           <p:nvPr/>
         </p:nvPicPr>
         <p:blipFill>
-          <a:blip r:embed="rId2">
+          <a:blip r:embed="rId3">
             <a:extLst>
               <a:ext uri="{28A0092B-C50C-407E-A947-70E740481C1C}">
                 <a14:useLocalDpi xmlns:a14="http://schemas.microsoft.com/office/drawing/2010/main" val="0"/>
@@ -8477,7 +8657,7 @@
           </p:nvPr>
         </p:nvPicPr>
         <p:blipFill>
-          <a:blip r:embed="rId2">
+          <a:blip r:embed="rId3">
             <a:extLst>
               <a:ext uri="{28A0092B-C50C-407E-A947-70E740481C1C}">
                 <a14:useLocalDpi xmlns:a14="http://schemas.microsoft.com/office/drawing/2010/main" val="0"/>
@@ -8565,7 +8745,7 @@
           <p:nvPr/>
         </p:nvPicPr>
         <p:blipFill>
-          <a:blip r:embed="rId3">
+          <a:blip r:embed="rId4">
             <a:extLst>
               <a:ext uri="{28A0092B-C50C-407E-A947-70E740481C1C}">
                 <a14:useLocalDpi xmlns:a14="http://schemas.microsoft.com/office/drawing/2010/main" val="0"/>
